--- a/csci5551_project_presentation_2014-12-08_a.pptx
+++ b/csci5551_project_presentation_2014-12-08_a.pptx
@@ -307,7 +307,7 @@
           <a:p>
             <a:fld id="{B2CCE00F-A82E-40E9-A87D-761FB96A81BD}" type="datetimeFigureOut">
               <a:rPr lang="en-US" smtClean="0"/>
-              <a:t>14/12/8</a:t>
+              <a:t>15/10/21</a:t>
             </a:fld>
             <a:endParaRPr lang="en-US"/>
           </a:p>
@@ -477,7 +477,7 @@
           <a:p>
             <a:fld id="{B2CCE00F-A82E-40E9-A87D-761FB96A81BD}" type="datetimeFigureOut">
               <a:rPr lang="en-US" smtClean="0"/>
-              <a:t>14/12/8</a:t>
+              <a:t>15/10/21</a:t>
             </a:fld>
             <a:endParaRPr lang="en-US"/>
           </a:p>
@@ -657,7 +657,7 @@
           <a:p>
             <a:fld id="{B2CCE00F-A82E-40E9-A87D-761FB96A81BD}" type="datetimeFigureOut">
               <a:rPr lang="en-US" smtClean="0"/>
-              <a:t>14/12/8</a:t>
+              <a:t>15/10/21</a:t>
             </a:fld>
             <a:endParaRPr lang="en-US"/>
           </a:p>
@@ -827,7 +827,7 @@
           <a:p>
             <a:fld id="{B2CCE00F-A82E-40E9-A87D-761FB96A81BD}" type="datetimeFigureOut">
               <a:rPr lang="en-US" smtClean="0"/>
-              <a:t>14/12/8</a:t>
+              <a:t>15/10/21</a:t>
             </a:fld>
             <a:endParaRPr lang="en-US"/>
           </a:p>
@@ -1073,7 +1073,7 @@
           <a:p>
             <a:fld id="{B2CCE00F-A82E-40E9-A87D-761FB96A81BD}" type="datetimeFigureOut">
               <a:rPr lang="en-US" smtClean="0"/>
-              <a:t>14/12/8</a:t>
+              <a:t>15/10/21</a:t>
             </a:fld>
             <a:endParaRPr lang="en-US"/>
           </a:p>
@@ -1361,7 +1361,7 @@
           <a:p>
             <a:fld id="{B2CCE00F-A82E-40E9-A87D-761FB96A81BD}" type="datetimeFigureOut">
               <a:rPr lang="en-US" smtClean="0"/>
-              <a:t>14/12/8</a:t>
+              <a:t>15/10/21</a:t>
             </a:fld>
             <a:endParaRPr lang="en-US"/>
           </a:p>
@@ -1783,7 +1783,7 @@
           <a:p>
             <a:fld id="{B2CCE00F-A82E-40E9-A87D-761FB96A81BD}" type="datetimeFigureOut">
               <a:rPr lang="en-US" smtClean="0"/>
-              <a:t>14/12/8</a:t>
+              <a:t>15/10/21</a:t>
             </a:fld>
             <a:endParaRPr lang="en-US"/>
           </a:p>
@@ -1901,7 +1901,7 @@
           <a:p>
             <a:fld id="{B2CCE00F-A82E-40E9-A87D-761FB96A81BD}" type="datetimeFigureOut">
               <a:rPr lang="en-US" smtClean="0"/>
-              <a:t>14/12/8</a:t>
+              <a:t>15/10/21</a:t>
             </a:fld>
             <a:endParaRPr lang="en-US"/>
           </a:p>
@@ -1996,7 +1996,7 @@
           <a:p>
             <a:fld id="{B2CCE00F-A82E-40E9-A87D-761FB96A81BD}" type="datetimeFigureOut">
               <a:rPr lang="en-US" smtClean="0"/>
-              <a:t>14/12/8</a:t>
+              <a:t>15/10/21</a:t>
             </a:fld>
             <a:endParaRPr lang="en-US"/>
           </a:p>
@@ -2273,7 +2273,7 @@
           <a:p>
             <a:fld id="{B2CCE00F-A82E-40E9-A87D-761FB96A81BD}" type="datetimeFigureOut">
               <a:rPr lang="en-US" smtClean="0"/>
-              <a:t>14/12/8</a:t>
+              <a:t>15/10/21</a:t>
             </a:fld>
             <a:endParaRPr lang="en-US"/>
           </a:p>
@@ -2526,7 +2526,7 @@
           <a:p>
             <a:fld id="{B2CCE00F-A82E-40E9-A87D-761FB96A81BD}" type="datetimeFigureOut">
               <a:rPr lang="en-US" smtClean="0"/>
-              <a:t>14/12/8</a:t>
+              <a:t>15/10/21</a:t>
             </a:fld>
             <a:endParaRPr lang="en-US"/>
           </a:p>
@@ -2739,7 +2739,7 @@
           <a:p>
             <a:fld id="{B2CCE00F-A82E-40E9-A87D-761FB96A81BD}" type="datetimeFigureOut">
               <a:rPr lang="en-US" smtClean="0"/>
-              <a:t>14/12/8</a:t>
+              <a:t>15/10/21</a:t>
             </a:fld>
             <a:endParaRPr lang="en-US"/>
           </a:p>
@@ -3392,11 +3392,7 @@
             </a:r>
             <a:r>
               <a:rPr lang="en-US" sz="2400" dirty="0" smtClean="0"/>
-              <a:t>Chiu </a:t>
-            </a:r>
-            <a:r>
-              <a:rPr lang="en-US" sz="2400" dirty="0" smtClean="0"/>
-              <a:t>(Computer Science)</a:t>
+              <a:t>Chiu (Computer Science)</a:t>
             </a:r>
             <a:endParaRPr lang="en-US" sz="2400" dirty="0"/>
           </a:p>
@@ -3414,10 +3410,10 @@
               <a:t> </a:t>
             </a:r>
             <a:r>
-              <a:rPr lang="en-US" sz="2400" dirty="0" smtClean="0"/>
-              <a:t>Dong (Department?)</a:t>
-            </a:r>
-            <a:endParaRPr lang="en-US" sz="2400" dirty="0"/>
+              <a:rPr lang="en-US" sz="2400" smtClean="0"/>
+              <a:t>Dong </a:t>
+            </a:r>
+            <a:endParaRPr lang="en-US" sz="2400" smtClean="0"/>
           </a:p>
           <a:p>
             <a:pPr marL="457200" indent="-457200">
@@ -3425,7 +3421,7 @@
               <a:buChar char="•"/>
             </a:pPr>
             <a:r>
-              <a:rPr lang="en-US" sz="2400" dirty="0"/>
+              <a:rPr lang="en-US" sz="2400" smtClean="0"/>
               <a:t>Joel </a:t>
             </a:r>
             <a:r>
@@ -3764,7 +3760,7 @@
                   <a:t>SICK laser scanner gives distance as a function of angle, </a:t>
                 </a:r>
                 <a14:m>
-                  <m:oMath xmlns:m="http://schemas.openxmlformats.org/officeDocument/2006/math" xmlns="">
+                  <m:oMath xmlns="" xmlns:m="http://schemas.openxmlformats.org/officeDocument/2006/math">
                     <m:r>
                       <a:rPr lang="en-US" i="1">
                         <a:latin typeface="Cambria Math"/>
@@ -3806,7 +3802,7 @@
                   <a:t>Software calculates “derivative” </a:t>
                 </a:r>
                 <a14:m>
-                  <m:oMath xmlns:m="http://schemas.openxmlformats.org/officeDocument/2006/math" xmlns="">
+                  <m:oMath xmlns="" xmlns:m="http://schemas.openxmlformats.org/officeDocument/2006/math">
                     <m:r>
                       <a:rPr lang="en-US" b="0" i="1" smtClean="0">
                         <a:latin typeface="Cambria Math"/>
@@ -5756,7 +5752,7 @@
                   <a:t>Robot must be able to identify which object at </a:t>
                 </a:r>
                 <a14:m>
-                  <m:oMath xmlns:m="http://schemas.openxmlformats.org/officeDocument/2006/math" xmlns="">
+                  <m:oMath xmlns="" xmlns:m="http://schemas.openxmlformats.org/officeDocument/2006/math">
                     <m:r>
                       <a:rPr lang="en-US" i="1">
                         <a:latin typeface="Cambria Math"/>
@@ -5782,7 +5778,7 @@
                   <a:t>corresponds to a given object at </a:t>
                 </a:r>
                 <a14:m>
-                  <m:oMath xmlns:m="http://schemas.openxmlformats.org/officeDocument/2006/math" xmlns="">
+                  <m:oMath xmlns="" xmlns:m="http://schemas.openxmlformats.org/officeDocument/2006/math">
                     <m:r>
                       <a:rPr lang="en-US" b="0" i="1" smtClean="0">
                         <a:latin typeface="Cambria Math"/>
@@ -6771,7 +6767,7 @@
                   <a:t>Software calculates the “potential velocity” needed for an object at </a:t>
                 </a:r>
                 <a14:m>
-                  <m:oMath xmlns:m="http://schemas.openxmlformats.org/officeDocument/2006/math" xmlns="">
+                  <m:oMath xmlns="" xmlns:m="http://schemas.openxmlformats.org/officeDocument/2006/math">
                     <m:r>
                       <a:rPr lang="en-US" b="0" i="1" smtClean="0">
                         <a:latin typeface="Cambria Math"/>
@@ -6797,7 +6793,7 @@
                   <a:t> to make it to each object position at  </a:t>
                 </a:r>
                 <a14:m>
-                  <m:oMath xmlns:m="http://schemas.openxmlformats.org/officeDocument/2006/math" xmlns="">
+                  <m:oMath xmlns="" xmlns:m="http://schemas.openxmlformats.org/officeDocument/2006/math">
                     <m:r>
                       <a:rPr lang="en-US" i="1">
                         <a:latin typeface="Cambria Math"/>
@@ -7496,7 +7492,7 @@
               <a:lstStyle/>
               <a:p>
                 <a14:m>
-                  <m:oMathPara xmlns:m="http://schemas.openxmlformats.org/officeDocument/2006/math" xmlns="">
+                  <m:oMathPara xmlns="" xmlns:m="http://schemas.openxmlformats.org/officeDocument/2006/math">
                     <m:oMathParaPr>
                       <m:jc m:val="centerGroup"/>
                     </m:oMathParaPr>
@@ -7656,7 +7652,7 @@
               <a:lstStyle/>
               <a:p>
                 <a14:m>
-                  <m:oMathPara xmlns:m="http://schemas.openxmlformats.org/officeDocument/2006/math" xmlns="">
+                  <m:oMathPara xmlns="" xmlns:m="http://schemas.openxmlformats.org/officeDocument/2006/math">
                     <m:oMathParaPr>
                       <m:jc m:val="centerGroup"/>
                     </m:oMathParaPr>
@@ -7816,7 +7812,7 @@
               <a:lstStyle/>
               <a:p>
                 <a14:m>
-                  <m:oMathPara xmlns:m="http://schemas.openxmlformats.org/officeDocument/2006/math" xmlns="">
+                  <m:oMathPara xmlns="" xmlns:m="http://schemas.openxmlformats.org/officeDocument/2006/math">
                     <m:oMathParaPr>
                       <m:jc m:val="centerGroup"/>
                     </m:oMathParaPr>
@@ -9139,7 +9135,7 @@
               <a:lstStyle/>
               <a:p>
                 <a14:m>
-                  <m:oMathPara xmlns:m="http://schemas.openxmlformats.org/officeDocument/2006/math" xmlns="">
+                  <m:oMathPara xmlns="" xmlns:m="http://schemas.openxmlformats.org/officeDocument/2006/math">
                     <m:oMathParaPr>
                       <m:jc m:val="centerGroup"/>
                     </m:oMathParaPr>
@@ -9299,7 +9295,7 @@
               <a:lstStyle/>
               <a:p>
                 <a14:m>
-                  <m:oMathPara xmlns:m="http://schemas.openxmlformats.org/officeDocument/2006/math" xmlns="">
+                  <m:oMathPara xmlns="" xmlns:m="http://schemas.openxmlformats.org/officeDocument/2006/math">
                     <m:oMathParaPr>
                       <m:jc m:val="centerGroup"/>
                     </m:oMathParaPr>
@@ -9459,7 +9455,7 @@
               <a:lstStyle/>
               <a:p>
                 <a14:m>
-                  <m:oMathPara xmlns:m="http://schemas.openxmlformats.org/officeDocument/2006/math" xmlns="">
+                  <m:oMathPara xmlns="" xmlns:m="http://schemas.openxmlformats.org/officeDocument/2006/math">
                     <m:oMathParaPr>
                       <m:jc m:val="centerGroup"/>
                     </m:oMathParaPr>
@@ -9875,7 +9871,6 @@
               <a:rPr lang="en-US" sz="1600" dirty="0" smtClean="0"/>
               <a:t>Following </a:t>
             </a:r>
-            <a:endParaRPr lang="en-US" sz="1600" dirty="0" smtClean="0"/>
           </a:p>
         </p:txBody>
       </p:sp>
@@ -9923,7 +9918,6 @@
               <a:rPr lang="en-US" sz="1600" dirty="0" smtClean="0"/>
               <a:t>Turning </a:t>
             </a:r>
-            <a:endParaRPr lang="en-US" sz="1600" dirty="0" smtClean="0"/>
           </a:p>
         </p:txBody>
       </p:sp>
@@ -9990,7 +9984,6 @@
               <a:rPr lang="en-US" dirty="0" smtClean="0"/>
               <a:t>If object exceeds the theta, then check if the robot still can see the object, if it can, then just follow, else turn</a:t>
             </a:r>
-            <a:endParaRPr lang="en-US" dirty="0" smtClean="0"/>
           </a:p>
         </p:txBody>
       </p:sp>
@@ -10679,21 +10672,8 @@
                   <a:schemeClr val="tx1"/>
                 </a:solidFill>
               </a:rPr>
-              <a:t>Implement additional sensors which can detect more subtle </a:t>
-            </a:r>
-            <a:r>
-              <a:rPr lang="en-US" dirty="0" smtClean="0">
-                <a:solidFill>
-                  <a:schemeClr val="tx1"/>
-                </a:solidFill>
-              </a:rPr>
-              <a:t>obstacles</a:t>
-            </a:r>
-            <a:endParaRPr lang="en-US" dirty="0" smtClean="0">
-              <a:solidFill>
-                <a:schemeClr val="tx1"/>
-              </a:solidFill>
-            </a:endParaRPr>
+              <a:t>Implement additional sensors which can detect more subtle obstacles</a:t>
+            </a:r>
           </a:p>
           <a:p>
             <a:pPr marL="285750" indent="-285750">
